--- a/com.js.ens.leveller/LevellerVer3_beta4 업데이트.pptx
+++ b/com.js.ens.leveller/LevellerVer3_beta4 업데이트.pptx
@@ -10,6 +10,7 @@
     <p:sldId id="257" r:id="rId4"/>
     <p:sldId id="258" r:id="rId5"/>
     <p:sldId id="260" r:id="rId6"/>
+    <p:sldId id="261" r:id="rId7"/>
   </p:sldIdLst>
   <p:sldSz cx="12192000" cy="6858000"/>
   <p:notesSz cx="6858000" cy="9144000"/>
@@ -5508,6 +5509,161 @@
 </p:sld>
 </file>
 
+<file path=ppt/slides/slide6.xml><?xml version="1.0" encoding="utf-8"?>
+<p:sld xmlns:a="http://schemas.openxmlformats.org/drawingml/2006/main" xmlns:r="http://schemas.openxmlformats.org/officeDocument/2006/relationships" xmlns:p="http://schemas.openxmlformats.org/presentationml/2006/main">
+  <p:cSld>
+    <p:spTree>
+      <p:nvGrpSpPr>
+        <p:cNvPr id="1" name=""/>
+        <p:cNvGrpSpPr/>
+        <p:nvPr/>
+      </p:nvGrpSpPr>
+      <p:grpSpPr>
+        <a:xfrm>
+          <a:off x="0" y="0"/>
+          <a:ext cx="0" cy="0"/>
+          <a:chOff x="0" y="0"/>
+          <a:chExt cx="0" cy="0"/>
+        </a:xfrm>
+      </p:grpSpPr>
+      <p:sp>
+        <p:nvSpPr>
+          <p:cNvPr id="4" name="TextBox 3"/>
+          <p:cNvSpPr txBox="1"/>
+          <p:nvPr/>
+        </p:nvSpPr>
+        <p:spPr>
+          <a:xfrm>
+            <a:off x="516835" y="429370"/>
+            <a:ext cx="6224717" cy="2862322"/>
+          </a:xfrm>
+          <a:prstGeom prst="rect">
+            <a:avLst/>
+          </a:prstGeom>
+          <a:noFill/>
+        </p:spPr>
+        <p:txBody>
+          <a:bodyPr wrap="none" rtlCol="0">
+            <a:spAutoFit/>
+          </a:bodyPr>
+          <a:lstStyle/>
+          <a:p>
+            <a:r>
+              <a:rPr lang="en-US" altLang="ko-KR" dirty="0" smtClean="0"/>
+              <a:t>1.Proc </a:t>
+            </a:r>
+            <a:r>
+              <a:rPr lang="ko-KR" altLang="en-US" dirty="0" smtClean="0"/>
+              <a:t>변수로 변경</a:t>
+            </a:r>
+            <a:endParaRPr lang="en-US" altLang="ko-KR" dirty="0" smtClean="0"/>
+          </a:p>
+          <a:p>
+            <a:r>
+              <a:rPr lang="en-US" altLang="ko-KR" dirty="0" smtClean="0"/>
+              <a:t>2.Mat </a:t>
+            </a:r>
+            <a:r>
+              <a:rPr lang="en-US" altLang="ko-KR" dirty="0" err="1" smtClean="0"/>
+              <a:t>const</a:t>
+            </a:r>
+            <a:r>
+              <a:rPr lang="en-US" altLang="ko-KR" dirty="0" smtClean="0"/>
+              <a:t> / table </a:t>
+            </a:r>
+            <a:r>
+              <a:rPr lang="ko-KR" altLang="en-US" dirty="0" smtClean="0"/>
+              <a:t>선택에 따른 </a:t>
+            </a:r>
+            <a:r>
+              <a:rPr lang="en-US" altLang="ko-KR" dirty="0" smtClean="0"/>
+              <a:t>proc </a:t>
+            </a:r>
+            <a:r>
+              <a:rPr lang="ko-KR" altLang="en-US" dirty="0" smtClean="0"/>
+              <a:t>수정 부분 </a:t>
+            </a:r>
+            <a:r>
+              <a:rPr lang="ko-KR" altLang="en-US" dirty="0" err="1" smtClean="0"/>
+              <a:t>확인할것</a:t>
+            </a:r>
+            <a:r>
+              <a:rPr lang="ko-KR" altLang="en-US" dirty="0" smtClean="0"/>
+              <a:t> </a:t>
+            </a:r>
+            <a:endParaRPr lang="en-US" altLang="ko-KR" dirty="0" smtClean="0"/>
+          </a:p>
+          <a:p>
+            <a:endParaRPr lang="en-US" altLang="ko-KR" dirty="0" smtClean="0"/>
+          </a:p>
+          <a:p>
+            <a:r>
+              <a:rPr lang="en-US" altLang="ko-KR" dirty="0" smtClean="0"/>
+              <a:t>3. </a:t>
+            </a:r>
+            <a:r>
+              <a:rPr lang="en-US" altLang="ko-KR" dirty="0"/>
+              <a:t>1_Flat </a:t>
+            </a:r>
+            <a:br>
+              <a:rPr lang="en-US" altLang="ko-KR" dirty="0"/>
+            </a:br>
+            <a:r>
+              <a:rPr lang="en-US" altLang="ko-KR" dirty="0" err="1" smtClean="0"/>
+              <a:t>post_lower_roll_dispY.proc</a:t>
+            </a:r>
+            <a:endParaRPr lang="en-US" altLang="ko-KR" dirty="0"/>
+          </a:p>
+          <a:p>
+            <a:r>
+              <a:rPr lang="en-US" altLang="ko-KR" dirty="0" err="1"/>
+              <a:t>post_lower_roll_rforce.proc</a:t>
+            </a:r>
+            <a:endParaRPr lang="en-US" altLang="ko-KR" dirty="0"/>
+          </a:p>
+          <a:p>
+            <a:r>
+              <a:rPr lang="en-US" altLang="ko-KR" dirty="0" err="1"/>
+              <a:t>post_upper_roll_dispY.proc</a:t>
+            </a:r>
+            <a:endParaRPr lang="en-US" altLang="ko-KR" dirty="0"/>
+          </a:p>
+          <a:p>
+            <a:r>
+              <a:rPr lang="en-US" altLang="ko-KR" dirty="0" err="1"/>
+              <a:t>post_upper_roll_rforce.proc</a:t>
+            </a:r>
+            <a:endParaRPr lang="en-US" altLang="ko-KR" dirty="0"/>
+          </a:p>
+          <a:p>
+            <a:endParaRPr lang="en-US" altLang="ko-KR" dirty="0" smtClean="0"/>
+          </a:p>
+          <a:p>
+            <a:r>
+              <a:rPr lang="ko-KR" altLang="en-US" dirty="0" err="1" smtClean="0"/>
+              <a:t>쓰는것인지</a:t>
+            </a:r>
+            <a:r>
+              <a:rPr lang="en-US" altLang="ko-KR" dirty="0" smtClean="0"/>
+              <a:t>?</a:t>
+            </a:r>
+            <a:endParaRPr lang="ko-KR" altLang="en-US" dirty="0"/>
+          </a:p>
+        </p:txBody>
+      </p:sp>
+    </p:spTree>
+    <p:extLst>
+      <p:ext uri="{BB962C8B-B14F-4D97-AF65-F5344CB8AC3E}">
+        <p14:creationId xmlns:p14="http://schemas.microsoft.com/office/powerpoint/2010/main" val="4009646916"/>
+      </p:ext>
+    </p:extLst>
+  </p:cSld>
+  <p:clrMapOvr>
+    <a:masterClrMapping/>
+  </p:clrMapOvr>
+</p:sld>
+</file>
+
 <file path=ppt/theme/theme1.xml><?xml version="1.0" encoding="utf-8"?>
 <a:theme xmlns:a="http://schemas.openxmlformats.org/drawingml/2006/main" name="Office 테마">
   <a:themeElements>

--- a/com.js.ens.leveller/LevellerVer3_beta4 업데이트.pptx
+++ b/com.js.ens.leveller/LevellerVer3_beta4 업데이트.pptx
@@ -248,7 +248,7 @@
           <a:p>
             <a:fld id="{6FBDEF00-A805-4336-BC5D-AE470D3BC972}" type="datetimeFigureOut">
               <a:rPr lang="ko-KR" altLang="en-US" smtClean="0"/>
-              <a:t>2016-08-08</a:t>
+              <a:t>2016-08-10</a:t>
             </a:fld>
             <a:endParaRPr lang="ko-KR" altLang="en-US"/>
           </a:p>
@@ -418,7 +418,7 @@
           <a:p>
             <a:fld id="{6FBDEF00-A805-4336-BC5D-AE470D3BC972}" type="datetimeFigureOut">
               <a:rPr lang="ko-KR" altLang="en-US" smtClean="0"/>
-              <a:t>2016-08-08</a:t>
+              <a:t>2016-08-10</a:t>
             </a:fld>
             <a:endParaRPr lang="ko-KR" altLang="en-US"/>
           </a:p>
@@ -598,7 +598,7 @@
           <a:p>
             <a:fld id="{6FBDEF00-A805-4336-BC5D-AE470D3BC972}" type="datetimeFigureOut">
               <a:rPr lang="ko-KR" altLang="en-US" smtClean="0"/>
-              <a:t>2016-08-08</a:t>
+              <a:t>2016-08-10</a:t>
             </a:fld>
             <a:endParaRPr lang="ko-KR" altLang="en-US"/>
           </a:p>
@@ -768,7 +768,7 @@
           <a:p>
             <a:fld id="{6FBDEF00-A805-4336-BC5D-AE470D3BC972}" type="datetimeFigureOut">
               <a:rPr lang="ko-KR" altLang="en-US" smtClean="0"/>
-              <a:t>2016-08-08</a:t>
+              <a:t>2016-08-10</a:t>
             </a:fld>
             <a:endParaRPr lang="ko-KR" altLang="en-US"/>
           </a:p>
@@ -1014,7 +1014,7 @@
           <a:p>
             <a:fld id="{6FBDEF00-A805-4336-BC5D-AE470D3BC972}" type="datetimeFigureOut">
               <a:rPr lang="ko-KR" altLang="en-US" smtClean="0"/>
-              <a:t>2016-08-08</a:t>
+              <a:t>2016-08-10</a:t>
             </a:fld>
             <a:endParaRPr lang="ko-KR" altLang="en-US"/>
           </a:p>
@@ -1246,7 +1246,7 @@
           <a:p>
             <a:fld id="{6FBDEF00-A805-4336-BC5D-AE470D3BC972}" type="datetimeFigureOut">
               <a:rPr lang="ko-KR" altLang="en-US" smtClean="0"/>
-              <a:t>2016-08-08</a:t>
+              <a:t>2016-08-10</a:t>
             </a:fld>
             <a:endParaRPr lang="ko-KR" altLang="en-US"/>
           </a:p>
@@ -1613,7 +1613,7 @@
           <a:p>
             <a:fld id="{6FBDEF00-A805-4336-BC5D-AE470D3BC972}" type="datetimeFigureOut">
               <a:rPr lang="ko-KR" altLang="en-US" smtClean="0"/>
-              <a:t>2016-08-08</a:t>
+              <a:t>2016-08-10</a:t>
             </a:fld>
             <a:endParaRPr lang="ko-KR" altLang="en-US"/>
           </a:p>
@@ -1731,7 +1731,7 @@
           <a:p>
             <a:fld id="{6FBDEF00-A805-4336-BC5D-AE470D3BC972}" type="datetimeFigureOut">
               <a:rPr lang="ko-KR" altLang="en-US" smtClean="0"/>
-              <a:t>2016-08-08</a:t>
+              <a:t>2016-08-10</a:t>
             </a:fld>
             <a:endParaRPr lang="ko-KR" altLang="en-US"/>
           </a:p>
@@ -1826,7 +1826,7 @@
           <a:p>
             <a:fld id="{6FBDEF00-A805-4336-BC5D-AE470D3BC972}" type="datetimeFigureOut">
               <a:rPr lang="ko-KR" altLang="en-US" smtClean="0"/>
-              <a:t>2016-08-08</a:t>
+              <a:t>2016-08-10</a:t>
             </a:fld>
             <a:endParaRPr lang="ko-KR" altLang="en-US"/>
           </a:p>
@@ -2103,7 +2103,7 @@
           <a:p>
             <a:fld id="{6FBDEF00-A805-4336-BC5D-AE470D3BC972}" type="datetimeFigureOut">
               <a:rPr lang="ko-KR" altLang="en-US" smtClean="0"/>
-              <a:t>2016-08-08</a:t>
+              <a:t>2016-08-10</a:t>
             </a:fld>
             <a:endParaRPr lang="ko-KR" altLang="en-US"/>
           </a:p>
@@ -2356,7 +2356,7 @@
           <a:p>
             <a:fld id="{6FBDEF00-A805-4336-BC5D-AE470D3BC972}" type="datetimeFigureOut">
               <a:rPr lang="ko-KR" altLang="en-US" smtClean="0"/>
-              <a:t>2016-08-08</a:t>
+              <a:t>2016-08-10</a:t>
             </a:fld>
             <a:endParaRPr lang="ko-KR" altLang="en-US"/>
           </a:p>
@@ -2569,7 +2569,7 @@
           <a:p>
             <a:fld id="{6FBDEF00-A805-4336-BC5D-AE470D3BC972}" type="datetimeFigureOut">
               <a:rPr lang="ko-KR" altLang="en-US" smtClean="0"/>
-              <a:t>2016-08-08</a:t>
+              <a:t>2016-08-10</a:t>
             </a:fld>
             <a:endParaRPr lang="ko-KR" altLang="en-US"/>
           </a:p>
@@ -4614,7 +4614,7 @@
         </p:nvCxnSpPr>
         <p:spPr>
           <a:xfrm>
-            <a:off x="6105149" y="2179903"/>
+            <a:off x="5787871" y="1816206"/>
             <a:ext cx="1434895" cy="2310416"/>
           </a:xfrm>
           <a:prstGeom prst="straightConnector1">
